--- a/Presentation for video.pptx
+++ b/Presentation for video.pptx
@@ -109,13 +109,18 @@
       </a:defRPr>
     </a:lvl9pPr>
   </p:defaultTextStyle>
+  <p:extLst>
+    <p:ext uri="{EFAFB233-063F-42B5-8137-9DF3F51BA10A}">
+      <p15:sldGuideLst xmlns:p15="http://schemas.microsoft.com/office/powerpoint/2012/main"/>
+    </p:ext>
+  </p:extLst>
 </p:presentation>
 </file>
 
 <file path=ppt/revisionInfo.xml><?xml version="1.0" encoding="utf-8"?>
 <p1510:revInfo xmlns:a="http://schemas.openxmlformats.org/drawingml/2006/main" xmlns:r="http://schemas.openxmlformats.org/officeDocument/2006/relationships" xmlns:p1510="http://schemas.microsoft.com/office/powerpoint/2015/10/main">
   <p1510:revLst>
-    <p1510:client id="{252255C1-BE3A-4F23-82AE-4E81587F99F0}" v="180" dt="2024-06-02T09:14:31.768"/>
+    <p1510:client id="{252255C1-BE3A-4F23-82AE-4E81587F99F0}" v="182" dt="2024-06-02T09:28:01.390"/>
   </p1510:revLst>
 </p1510:revInfo>
 </file>
@@ -125,12 +130,12 @@
   <pc:docChgLst>
     <pc:chgData name="molly cullen" userId="4a865d9e5f48423d" providerId="LiveId" clId="{252255C1-BE3A-4F23-82AE-4E81587F99F0}"/>
     <pc:docChg chg="undo custSel modSld">
-      <pc:chgData name="molly cullen" userId="4a865d9e5f48423d" providerId="LiveId" clId="{252255C1-BE3A-4F23-82AE-4E81587F99F0}" dt="2024-06-02T09:14:31.768" v="924" actId="20577"/>
+      <pc:chgData name="molly cullen" userId="4a865d9e5f48423d" providerId="LiveId" clId="{252255C1-BE3A-4F23-82AE-4E81587F99F0}" dt="2024-06-02T09:28:01.390" v="926" actId="20577"/>
       <pc:docMkLst>
         <pc:docMk/>
       </pc:docMkLst>
       <pc:sldChg chg="addSp modSp mod addAnim modAnim">
-        <pc:chgData name="molly cullen" userId="4a865d9e5f48423d" providerId="LiveId" clId="{252255C1-BE3A-4F23-82AE-4E81587F99F0}" dt="2024-06-02T09:14:31.768" v="924" actId="20577"/>
+        <pc:chgData name="molly cullen" userId="4a865d9e5f48423d" providerId="LiveId" clId="{252255C1-BE3A-4F23-82AE-4E81587F99F0}" dt="2024-06-02T09:28:01.390" v="926" actId="20577"/>
         <pc:sldMkLst>
           <pc:docMk/>
           <pc:sldMk cId="1034232998" sldId="256"/>
@@ -144,7 +149,7 @@
           </ac:spMkLst>
         </pc:spChg>
         <pc:spChg chg="mod">
-          <ac:chgData name="molly cullen" userId="4a865d9e5f48423d" providerId="LiveId" clId="{252255C1-BE3A-4F23-82AE-4E81587F99F0}" dt="2024-06-02T09:14:31.768" v="924" actId="20577"/>
+          <ac:chgData name="molly cullen" userId="4a865d9e5f48423d" providerId="LiveId" clId="{252255C1-BE3A-4F23-82AE-4E81587F99F0}" dt="2024-06-02T09:28:01.390" v="926" actId="20577"/>
           <ac:spMkLst>
             <pc:docMk/>
             <pc:sldMk cId="1034232998" sldId="256"/>
@@ -865,7 +870,7 @@
           <a:p>
             <a:fld id="{D1D1EADE-8E88-4C7C-8AC5-FB148DE4940E}" type="datetime1">
               <a:rPr lang="en-US" smtClean="0"/>
-              <a:t>6/1/2024</a:t>
+              <a:t>6/2/2024</a:t>
             </a:fld>
             <a:endParaRPr lang="en-US"/>
           </a:p>
@@ -1065,7 +1070,7 @@
           <a:p>
             <a:fld id="{EC3C8B9C-477D-492A-96AD-1FC2CC997A73}" type="datetime1">
               <a:rPr lang="en-US" smtClean="0"/>
-              <a:t>6/1/2024</a:t>
+              <a:t>6/2/2024</a:t>
             </a:fld>
             <a:endParaRPr lang="en-US"/>
           </a:p>
@@ -1275,7 +1280,7 @@
           <a:p>
             <a:fld id="{42D3AED5-E26D-4E29-B1B3-7847B6779594}" type="datetime1">
               <a:rPr lang="en-US" smtClean="0"/>
-              <a:t>6/1/2024</a:t>
+              <a:t>6/2/2024</a:t>
             </a:fld>
             <a:endParaRPr lang="en-US"/>
           </a:p>
@@ -1475,7 +1480,7 @@
           <a:p>
             <a:fld id="{157B6794-849E-4626-908B-D15793550EFB}" type="datetime1">
               <a:rPr lang="en-US" smtClean="0"/>
-              <a:t>6/1/2024</a:t>
+              <a:t>6/2/2024</a:t>
             </a:fld>
             <a:endParaRPr lang="en-US"/>
           </a:p>
@@ -1751,7 +1756,7 @@
           <a:p>
             <a:fld id="{63DB64E7-5594-42A3-ADBF-E95A7ACEAD64}" type="datetime1">
               <a:rPr lang="en-US" smtClean="0"/>
-              <a:t>6/1/2024</a:t>
+              <a:t>6/2/2024</a:t>
             </a:fld>
             <a:endParaRPr lang="en-US"/>
           </a:p>
@@ -2024,7 +2029,7 @@
           <a:p>
             <a:fld id="{18462B0B-D248-4FFB-8695-AD7FA4B1284A}" type="datetime1">
               <a:rPr lang="en-US" smtClean="0"/>
-              <a:t>6/1/2024</a:t>
+              <a:t>6/2/2024</a:t>
             </a:fld>
             <a:endParaRPr lang="en-US"/>
           </a:p>
@@ -2447,7 +2452,7 @@
           <a:p>
             <a:fld id="{D0378EFB-9159-4510-B73F-4F0409ADE937}" type="datetime1">
               <a:rPr lang="en-US" smtClean="0"/>
-              <a:t>6/1/2024</a:t>
+              <a:t>6/2/2024</a:t>
             </a:fld>
             <a:endParaRPr lang="en-US"/>
           </a:p>
@@ -2589,7 +2594,7 @@
           <a:p>
             <a:fld id="{89BC9412-2452-4BED-A324-9D8C115361AD}" type="datetime1">
               <a:rPr lang="en-US" smtClean="0"/>
-              <a:t>6/1/2024</a:t>
+              <a:t>6/2/2024</a:t>
             </a:fld>
             <a:endParaRPr lang="en-US"/>
           </a:p>
@@ -2702,7 +2707,7 @@
           <a:p>
             <a:fld id="{F5318F62-D251-40E8-A23C-F4CFE9FEAB41}" type="datetime1">
               <a:rPr lang="en-US" smtClean="0"/>
-              <a:t>6/1/2024</a:t>
+              <a:t>6/2/2024</a:t>
             </a:fld>
             <a:endParaRPr lang="en-US"/>
           </a:p>
@@ -3015,7 +3020,7 @@
           <a:p>
             <a:fld id="{44F76144-149E-4874-93A5-554A0357CF82}" type="datetime1">
               <a:rPr lang="en-US" smtClean="0"/>
-              <a:t>6/1/2024</a:t>
+              <a:t>6/2/2024</a:t>
             </a:fld>
             <a:endParaRPr lang="en-US"/>
           </a:p>
@@ -3308,7 +3313,7 @@
           <a:p>
             <a:fld id="{50BA65D8-0540-4835-AE5C-25D29DBA01BE}" type="datetime1">
               <a:rPr lang="en-US" smtClean="0"/>
-              <a:t>6/1/2024</a:t>
+              <a:t>6/2/2024</a:t>
             </a:fld>
             <a:endParaRPr lang="en-US"/>
           </a:p>
@@ -3550,7 +3555,7 @@
           <a:p>
             <a:fld id="{E31BA835-12AC-4E8F-955A-EA3F4DE2791F}" type="datetime1">
               <a:rPr lang="en-US" smtClean="0"/>
-              <a:t>6/1/2024</a:t>
+              <a:t>6/2/2024</a:t>
             </a:fld>
             <a:endParaRPr lang="en-US"/>
           </a:p>
@@ -4298,7 +4303,7 @@
           <a:p>
             <a:r>
               <a:rPr lang="en-AU" sz="1700" dirty="0"/>
-              <a:t>MXB201 – Group 29</a:t>
+              <a:t>MXB201 – Group 26</a:t>
             </a:r>
           </a:p>
         </p:txBody>
@@ -5459,10 +5464,10 @@
       </p:par>
     </p:tnLst>
     <p:bldLst>
-      <p:bldP spid="5" grpId="0"/>
+      <p:bldP spid="5" grpId="0" animBg="1"/>
       <p:bldP spid="8" grpId="0" animBg="1"/>
       <p:bldP spid="10" grpId="0" animBg="1"/>
-      <p:bldP spid="11" grpId="0"/>
+      <p:bldP spid="11" grpId="0" animBg="1"/>
     </p:bldLst>
   </p:timing>
 </p:sld>
